--- a/cache/a097acff-6266-4291-9fbd-137af7ecd439/pre.pptx
+++ b/cache/a097acff-6266-4291-9fbd-137af7ecd439/pre.pptx
@@ -80,7 +80,7 @@
         <p:txBody>
           <a:bodyPr/>
           <a:p>
-            <a:fld id="{EE167B36-D89D-4093-809A-FCDED6A02250}" type="slidenum">
+            <a:fld id="{C660DF97-9B44-49A0-B991-A48642A4D380}" type="slidenum">
               <a:t>&lt;#&gt;</a:t>
             </a:fld>
           </a:p>
@@ -268,7 +268,7 @@
         <p:txBody>
           <a:bodyPr/>
           <a:p>
-            <a:fld id="{55F304D5-3C63-4771-BA3E-8C35B53D21AA}" type="slidenum">
+            <a:fld id="{C6A1FD52-E9A3-47B9-A915-59B70E9577F1}" type="slidenum">
               <a:t>&lt;#&gt;</a:t>
             </a:fld>
           </a:p>
@@ -524,7 +524,7 @@
         <p:txBody>
           <a:bodyPr/>
           <a:p>
-            <a:fld id="{3D9FD817-E989-4788-9102-C6115AC55FE4}" type="slidenum">
+            <a:fld id="{03512652-D8D3-4BA1-B159-4978FA538568}" type="slidenum">
               <a:t>&lt;#&gt;</a:t>
             </a:fld>
           </a:p>
@@ -848,7 +848,7 @@
         <p:txBody>
           <a:bodyPr/>
           <a:p>
-            <a:fld id="{2FB4DC4A-721D-453B-88F7-E51220BA56D7}" type="slidenum">
+            <a:fld id="{1DDBE16E-3CFE-4871-B0BC-A6A5A444FE57}" type="slidenum">
               <a:t>&lt;#&gt;</a:t>
             </a:fld>
           </a:p>
@@ -931,7 +931,7 @@
         <p:txBody>
           <a:bodyPr/>
           <a:p>
-            <a:fld id="{9BE6907E-F346-47C7-9BCE-AAE1045304BC}" type="slidenum">
+            <a:fld id="{AA05C09E-1D7E-4CF5-A3AC-F3B929AD9D36}" type="slidenum">
               <a:t>&lt;#&gt;</a:t>
             </a:fld>
           </a:p>
@@ -1088,7 +1088,7 @@
         <p:txBody>
           <a:bodyPr/>
           <a:p>
-            <a:fld id="{E0748C43-596C-4ED1-B9C5-AFC85727A63E}" type="slidenum">
+            <a:fld id="{03A7ACB8-9AE0-4EFF-810F-8A11CFB1DC3F}" type="slidenum">
               <a:t>&lt;#&gt;</a:t>
             </a:fld>
           </a:p>
@@ -1242,7 +1242,7 @@
         <p:txBody>
           <a:bodyPr/>
           <a:p>
-            <a:fld id="{ECCDDFAC-B9F6-4853-B949-DBFBE7C7C219}" type="slidenum">
+            <a:fld id="{50E8A093-1EB8-4F5D-8CD2-FF90B6FAFB60}" type="slidenum">
               <a:t>&lt;#&gt;</a:t>
             </a:fld>
           </a:p>
@@ -1430,7 +1430,7 @@
         <p:txBody>
           <a:bodyPr/>
           <a:p>
-            <a:fld id="{025BA9D3-040B-4D60-B4E6-D99C27EB9929}" type="slidenum">
+            <a:fld id="{508AA7A0-84F3-4EAD-8430-4576AB3DEA11}" type="slidenum">
               <a:t>&lt;#&gt;</a:t>
             </a:fld>
           </a:p>
@@ -1550,7 +1550,7 @@
         <p:txBody>
           <a:bodyPr/>
           <a:p>
-            <a:fld id="{DB76303D-FEFA-4665-B9E5-5FD8F8A3E65B}" type="slidenum">
+            <a:fld id="{1B0F3E50-D103-4AAF-B9BA-9F41443551DF}" type="slidenum">
               <a:t>&lt;#&gt;</a:t>
             </a:fld>
           </a:p>
@@ -1670,7 +1670,7 @@
         <p:txBody>
           <a:bodyPr/>
           <a:p>
-            <a:fld id="{EDB54FE4-1F97-4D28-90AF-AA7E230F075A}" type="slidenum">
+            <a:fld id="{4AE10815-3625-40E5-AD3A-4B6FA9C16B0E}" type="slidenum">
               <a:t>&lt;#&gt;</a:t>
             </a:fld>
           </a:p>
@@ -1892,7 +1892,7 @@
         <p:txBody>
           <a:bodyPr/>
           <a:p>
-            <a:fld id="{41AB5AB6-229A-43D1-BBCB-C61730A6020A}" type="slidenum">
+            <a:fld id="{3E99DE92-1573-4F0F-9982-4C00F2A2FC7C}" type="slidenum">
               <a:t>&lt;#&gt;</a:t>
             </a:fld>
           </a:p>
@@ -2049,7 +2049,7 @@
         <p:txBody>
           <a:bodyPr/>
           <a:p>
-            <a:fld id="{5EC4D025-B1CA-403D-8D63-DD4A0149D680}" type="slidenum">
+            <a:fld id="{1BBEAE02-86FA-417E-A884-F85BE3D1ACD3}" type="slidenum">
               <a:t>&lt;#&gt;</a:t>
             </a:fld>
           </a:p>
@@ -2271,7 +2271,7 @@
         <p:txBody>
           <a:bodyPr/>
           <a:p>
-            <a:fld id="{87FDE8CA-FF77-4C5E-ADB5-C89177B38799}" type="slidenum">
+            <a:fld id="{689AD78B-EC6D-4588-94D5-76E4BD07F420}" type="slidenum">
               <a:t>&lt;#&gt;</a:t>
             </a:fld>
           </a:p>
@@ -2493,7 +2493,7 @@
         <p:txBody>
           <a:bodyPr/>
           <a:p>
-            <a:fld id="{2721A496-EB0D-411A-893A-2DE23170ECB8}" type="slidenum">
+            <a:fld id="{C6E31B18-06FC-42D7-A7C6-CFF04241635C}" type="slidenum">
               <a:t>&lt;#&gt;</a:t>
             </a:fld>
           </a:p>
@@ -2681,7 +2681,7 @@
         <p:txBody>
           <a:bodyPr/>
           <a:p>
-            <a:fld id="{701B8B11-60B6-4973-9BCD-9B306BF34609}" type="slidenum">
+            <a:fld id="{064C6B63-3970-496D-A30C-C5F19D4539D2}" type="slidenum">
               <a:t>&lt;#&gt;</a:t>
             </a:fld>
           </a:p>
@@ -2937,7 +2937,7 @@
         <p:txBody>
           <a:bodyPr/>
           <a:p>
-            <a:fld id="{66A80623-3ABA-453E-B926-A9B0D360F496}" type="slidenum">
+            <a:fld id="{D09E2FD6-2E2D-4B20-A2CD-6EF43A2F5D6A}" type="slidenum">
               <a:t>&lt;#&gt;</a:t>
             </a:fld>
           </a:p>
@@ -3261,7 +3261,7 @@
         <p:txBody>
           <a:bodyPr/>
           <a:p>
-            <a:fld id="{C193FCD0-3A64-44F7-94ED-7CB0C134C069}" type="slidenum">
+            <a:fld id="{4C9C0020-DB5A-42F7-989E-FF0236A9D31E}" type="slidenum">
               <a:t>&lt;#&gt;</a:t>
             </a:fld>
           </a:p>
@@ -3415,7 +3415,7 @@
         <p:txBody>
           <a:bodyPr/>
           <a:p>
-            <a:fld id="{47F4A48A-F941-42D6-A80F-A5616C286AF6}" type="slidenum">
+            <a:fld id="{93720317-77E6-4202-B94E-06F3FAA4F7B5}" type="slidenum">
               <a:t>&lt;#&gt;</a:t>
             </a:fld>
           </a:p>
@@ -3603,7 +3603,7 @@
         <p:txBody>
           <a:bodyPr/>
           <a:p>
-            <a:fld id="{8D9728AE-9E84-4A85-875F-0F00B5F0B0D3}" type="slidenum">
+            <a:fld id="{AC12917A-7C4D-404D-8DEA-7A7221AD4ED1}" type="slidenum">
               <a:t>&lt;#&gt;</a:t>
             </a:fld>
           </a:p>
@@ -3723,7 +3723,7 @@
         <p:txBody>
           <a:bodyPr/>
           <a:p>
-            <a:fld id="{7A2D6046-4D95-4EBF-9ED3-E37729CB8052}" type="slidenum">
+            <a:fld id="{E8DE541E-0A2D-4B33-95EB-24E942998546}" type="slidenum">
               <a:t>&lt;#&gt;</a:t>
             </a:fld>
           </a:p>
@@ -3843,7 +3843,7 @@
         <p:txBody>
           <a:bodyPr/>
           <a:p>
-            <a:fld id="{250B0176-67FF-4CF5-B734-5E9B01BC941A}" type="slidenum">
+            <a:fld id="{94A8A972-4040-4D31-9A9A-BE92815B78F8}" type="slidenum">
               <a:t>&lt;#&gt;</a:t>
             </a:fld>
           </a:p>
@@ -4065,7 +4065,7 @@
         <p:txBody>
           <a:bodyPr/>
           <a:p>
-            <a:fld id="{DFEE2D26-1DE8-43B9-93EF-93C55D928622}" type="slidenum">
+            <a:fld id="{A9B00E46-8D43-4917-8A35-0B85FB999607}" type="slidenum">
               <a:t>&lt;#&gt;</a:t>
             </a:fld>
           </a:p>
@@ -4287,7 +4287,7 @@
         <p:txBody>
           <a:bodyPr/>
           <a:p>
-            <a:fld id="{3FF5812E-DFDA-4598-97D0-F6EE66246A65}" type="slidenum">
+            <a:fld id="{EA00907D-4567-4B31-83A3-35F408087F02}" type="slidenum">
               <a:t>&lt;#&gt;</a:t>
             </a:fld>
           </a:p>
@@ -4509,7 +4509,7 @@
         <p:txBody>
           <a:bodyPr/>
           <a:p>
-            <a:fld id="{57DB5F81-3D89-46F7-B0CB-6778474B7DD2}" type="slidenum">
+            <a:fld id="{83D595AA-3F45-4C61-9A76-A5FFC131B082}" type="slidenum">
               <a:t>&lt;#&gt;</a:t>
             </a:fld>
           </a:p>
@@ -4710,7 +4710,7 @@
               </a:lnSpc>
               <a:buNone/>
             </a:pPr>
-            <a:fld id="{CC5F2E37-3E4E-4793-91A8-D3A826D1C9A4}" type="slidenum">
+            <a:fld id="{A87EF39B-F58C-470B-B4A0-D371624879FC}" type="slidenum">
               <a:rPr b="0" lang="en-US" sz="1200" spc="-1" strike="noStrike">
                 <a:solidFill>
                   <a:srgbClr val="8b8b8b"/>
@@ -5104,7 +5104,7 @@
               </a:lnSpc>
               <a:buNone/>
             </a:pPr>
-            <a:fld id="{62F06F4B-EF18-40B3-A811-65669EF87EB1}" type="slidenum">
+            <a:fld id="{38231752-3775-40AA-B3F4-03E1E6161A37}" type="slidenum">
               <a:rPr b="0" lang="en-US" sz="1200" spc="-1" strike="noStrike">
                 <a:solidFill>
                   <a:srgbClr val="8b8b8b"/>

--- a/cache/a097acff-6266-4291-9fbd-137af7ecd439/pre.pptx
+++ b/cache/a097acff-6266-4291-9fbd-137af7ecd439/pre.pptx
@@ -80,7 +80,7 @@
         <p:txBody>
           <a:bodyPr/>
           <a:p>
-            <a:fld id="{C660DF97-9B44-49A0-B991-A48642A4D380}" type="slidenum">
+            <a:fld id="{3D27753D-3EBE-4341-A1F6-241D4F7D324D}" type="slidenum">
               <a:t>&lt;#&gt;</a:t>
             </a:fld>
           </a:p>
@@ -268,7 +268,7 @@
         <p:txBody>
           <a:bodyPr/>
           <a:p>
-            <a:fld id="{C6A1FD52-E9A3-47B9-A915-59B70E9577F1}" type="slidenum">
+            <a:fld id="{9CF924D0-1E36-46FC-99CA-3A9D85238CAA}" type="slidenum">
               <a:t>&lt;#&gt;</a:t>
             </a:fld>
           </a:p>
@@ -524,7 +524,7 @@
         <p:txBody>
           <a:bodyPr/>
           <a:p>
-            <a:fld id="{03512652-D8D3-4BA1-B159-4978FA538568}" type="slidenum">
+            <a:fld id="{5535FA90-D321-4982-A75F-3F1363B06151}" type="slidenum">
               <a:t>&lt;#&gt;</a:t>
             </a:fld>
           </a:p>
@@ -848,7 +848,7 @@
         <p:txBody>
           <a:bodyPr/>
           <a:p>
-            <a:fld id="{1DDBE16E-3CFE-4871-B0BC-A6A5A444FE57}" type="slidenum">
+            <a:fld id="{4C295457-8902-4D49-A9D1-932B505F411D}" type="slidenum">
               <a:t>&lt;#&gt;</a:t>
             </a:fld>
           </a:p>
@@ -931,7 +931,7 @@
         <p:txBody>
           <a:bodyPr/>
           <a:p>
-            <a:fld id="{AA05C09E-1D7E-4CF5-A3AC-F3B929AD9D36}" type="slidenum">
+            <a:fld id="{3BB64F7A-90D7-4A22-AC78-59E258556EE3}" type="slidenum">
               <a:t>&lt;#&gt;</a:t>
             </a:fld>
           </a:p>
@@ -1088,7 +1088,7 @@
         <p:txBody>
           <a:bodyPr/>
           <a:p>
-            <a:fld id="{03A7ACB8-9AE0-4EFF-810F-8A11CFB1DC3F}" type="slidenum">
+            <a:fld id="{440BEA91-1903-43BC-847D-A135052AD17C}" type="slidenum">
               <a:t>&lt;#&gt;</a:t>
             </a:fld>
           </a:p>
@@ -1242,7 +1242,7 @@
         <p:txBody>
           <a:bodyPr/>
           <a:p>
-            <a:fld id="{50E8A093-1EB8-4F5D-8CD2-FF90B6FAFB60}" type="slidenum">
+            <a:fld id="{505801D8-5D13-4068-93D6-E974CF2A70BE}" type="slidenum">
               <a:t>&lt;#&gt;</a:t>
             </a:fld>
           </a:p>
@@ -1430,7 +1430,7 @@
         <p:txBody>
           <a:bodyPr/>
           <a:p>
-            <a:fld id="{508AA7A0-84F3-4EAD-8430-4576AB3DEA11}" type="slidenum">
+            <a:fld id="{F3642BC0-6D3F-45A0-9C5C-B24D4003652A}" type="slidenum">
               <a:t>&lt;#&gt;</a:t>
             </a:fld>
           </a:p>
@@ -1550,7 +1550,7 @@
         <p:txBody>
           <a:bodyPr/>
           <a:p>
-            <a:fld id="{1B0F3E50-D103-4AAF-B9BA-9F41443551DF}" type="slidenum">
+            <a:fld id="{F6898460-2845-4321-8E28-63B70B150705}" type="slidenum">
               <a:t>&lt;#&gt;</a:t>
             </a:fld>
           </a:p>
@@ -1670,7 +1670,7 @@
         <p:txBody>
           <a:bodyPr/>
           <a:p>
-            <a:fld id="{4AE10815-3625-40E5-AD3A-4B6FA9C16B0E}" type="slidenum">
+            <a:fld id="{3DEDE803-BCA0-4E3E-A945-D2CE3AA6FB59}" type="slidenum">
               <a:t>&lt;#&gt;</a:t>
             </a:fld>
           </a:p>
@@ -1892,7 +1892,7 @@
         <p:txBody>
           <a:bodyPr/>
           <a:p>
-            <a:fld id="{3E99DE92-1573-4F0F-9982-4C00F2A2FC7C}" type="slidenum">
+            <a:fld id="{239FB0E8-3151-4096-988C-2651463FC9FD}" type="slidenum">
               <a:t>&lt;#&gt;</a:t>
             </a:fld>
           </a:p>
@@ -2049,7 +2049,7 @@
         <p:txBody>
           <a:bodyPr/>
           <a:p>
-            <a:fld id="{1BBEAE02-86FA-417E-A884-F85BE3D1ACD3}" type="slidenum">
+            <a:fld id="{DBE989D2-02DF-4544-A12E-205007C2B3C7}" type="slidenum">
               <a:t>&lt;#&gt;</a:t>
             </a:fld>
           </a:p>
@@ -2271,7 +2271,7 @@
         <p:txBody>
           <a:bodyPr/>
           <a:p>
-            <a:fld id="{689AD78B-EC6D-4588-94D5-76E4BD07F420}" type="slidenum">
+            <a:fld id="{EEFCD4DD-6B94-4835-901B-06165C4C7F77}" type="slidenum">
               <a:t>&lt;#&gt;</a:t>
             </a:fld>
           </a:p>
@@ -2493,7 +2493,7 @@
         <p:txBody>
           <a:bodyPr/>
           <a:p>
-            <a:fld id="{C6E31B18-06FC-42D7-A7C6-CFF04241635C}" type="slidenum">
+            <a:fld id="{DAA194FE-6717-47B5-9234-65D78CD08C99}" type="slidenum">
               <a:t>&lt;#&gt;</a:t>
             </a:fld>
           </a:p>
@@ -2681,7 +2681,7 @@
         <p:txBody>
           <a:bodyPr/>
           <a:p>
-            <a:fld id="{064C6B63-3970-496D-A30C-C5F19D4539D2}" type="slidenum">
+            <a:fld id="{D2E60D44-D4DD-4C73-8FF0-DFD7D7C4FDED}" type="slidenum">
               <a:t>&lt;#&gt;</a:t>
             </a:fld>
           </a:p>
@@ -2937,7 +2937,7 @@
         <p:txBody>
           <a:bodyPr/>
           <a:p>
-            <a:fld id="{D09E2FD6-2E2D-4B20-A2CD-6EF43A2F5D6A}" type="slidenum">
+            <a:fld id="{B9A70F6D-59AD-4A88-8F8F-F0E0856A74CA}" type="slidenum">
               <a:t>&lt;#&gt;</a:t>
             </a:fld>
           </a:p>
@@ -3261,7 +3261,7 @@
         <p:txBody>
           <a:bodyPr/>
           <a:p>
-            <a:fld id="{4C9C0020-DB5A-42F7-989E-FF0236A9D31E}" type="slidenum">
+            <a:fld id="{C07F9BA1-01CC-4A81-AC7E-0CE9EBF15B48}" type="slidenum">
               <a:t>&lt;#&gt;</a:t>
             </a:fld>
           </a:p>
@@ -3415,7 +3415,7 @@
         <p:txBody>
           <a:bodyPr/>
           <a:p>
-            <a:fld id="{93720317-77E6-4202-B94E-06F3FAA4F7B5}" type="slidenum">
+            <a:fld id="{A54AC208-7582-472A-A047-9A4C316F3B01}" type="slidenum">
               <a:t>&lt;#&gt;</a:t>
             </a:fld>
           </a:p>
@@ -3603,7 +3603,7 @@
         <p:txBody>
           <a:bodyPr/>
           <a:p>
-            <a:fld id="{AC12917A-7C4D-404D-8DEA-7A7221AD4ED1}" type="slidenum">
+            <a:fld id="{4A5B8324-EAC2-495D-928E-8B702DE00F61}" type="slidenum">
               <a:t>&lt;#&gt;</a:t>
             </a:fld>
           </a:p>
@@ -3723,7 +3723,7 @@
         <p:txBody>
           <a:bodyPr/>
           <a:p>
-            <a:fld id="{E8DE541E-0A2D-4B33-95EB-24E942998546}" type="slidenum">
+            <a:fld id="{5225E081-895D-4B30-A110-D74DE1655445}" type="slidenum">
               <a:t>&lt;#&gt;</a:t>
             </a:fld>
           </a:p>
@@ -3843,7 +3843,7 @@
         <p:txBody>
           <a:bodyPr/>
           <a:p>
-            <a:fld id="{94A8A972-4040-4D31-9A9A-BE92815B78F8}" type="slidenum">
+            <a:fld id="{5F51E747-3119-4C79-9B1D-4B872396DEAB}" type="slidenum">
               <a:t>&lt;#&gt;</a:t>
             </a:fld>
           </a:p>
@@ -4065,7 +4065,7 @@
         <p:txBody>
           <a:bodyPr/>
           <a:p>
-            <a:fld id="{A9B00E46-8D43-4917-8A35-0B85FB999607}" type="slidenum">
+            <a:fld id="{BBE6FE40-088F-46E3-9375-DD9099147907}" type="slidenum">
               <a:t>&lt;#&gt;</a:t>
             </a:fld>
           </a:p>
@@ -4287,7 +4287,7 @@
         <p:txBody>
           <a:bodyPr/>
           <a:p>
-            <a:fld id="{EA00907D-4567-4B31-83A3-35F408087F02}" type="slidenum">
+            <a:fld id="{886AD6E5-D341-4386-977C-2567928AEAA9}" type="slidenum">
               <a:t>&lt;#&gt;</a:t>
             </a:fld>
           </a:p>
@@ -4509,7 +4509,7 @@
         <p:txBody>
           <a:bodyPr/>
           <a:p>
-            <a:fld id="{83D595AA-3F45-4C61-9A76-A5FFC131B082}" type="slidenum">
+            <a:fld id="{718DC9D5-D797-42FB-982B-B1A46F1B6EEA}" type="slidenum">
               <a:t>&lt;#&gt;</a:t>
             </a:fld>
           </a:p>
@@ -4710,7 +4710,7 @@
               </a:lnSpc>
               <a:buNone/>
             </a:pPr>
-            <a:fld id="{A87EF39B-F58C-470B-B4A0-D371624879FC}" type="slidenum">
+            <a:fld id="{FEE8812C-1801-4474-92A5-540E25B8C0C7}" type="slidenum">
               <a:rPr b="0" lang="en-US" sz="1200" spc="-1" strike="noStrike">
                 <a:solidFill>
                   <a:srgbClr val="8b8b8b"/>
@@ -5104,7 +5104,7 @@
               </a:lnSpc>
               <a:buNone/>
             </a:pPr>
-            <a:fld id="{38231752-3775-40AA-B3F4-03E1E6161A37}" type="slidenum">
+            <a:fld id="{58F2B5DB-BCD2-480B-987B-1A6BC67CECAA}" type="slidenum">
               <a:rPr b="0" lang="en-US" sz="1200" spc="-1" strike="noStrike">
                 <a:solidFill>
                   <a:srgbClr val="8b8b8b"/>
